--- a/1_Data_Analysis/semana_12/día_2/Intro_categóricas.pptx
+++ b/1_Data_Analysis/semana_12/día_2/Intro_categóricas.pptx
@@ -276,7 +276,7 @@
           <a:p>
             <a:fld id="{FD24D06E-A107-49F4-A213-45397444B7A2}" type="datetimeFigureOut">
               <a:rPr lang="es-ES" smtClean="0"/>
-              <a:t>25/09/2020</a:t>
+              <a:t>02/10/2020</a:t>
             </a:fld>
             <a:endParaRPr lang="es-ES"/>
           </a:p>
@@ -474,7 +474,7 @@
           <a:p>
             <a:fld id="{FD24D06E-A107-49F4-A213-45397444B7A2}" type="datetimeFigureOut">
               <a:rPr lang="es-ES" smtClean="0"/>
-              <a:t>25/09/2020</a:t>
+              <a:t>02/10/2020</a:t>
             </a:fld>
             <a:endParaRPr lang="es-ES"/>
           </a:p>
@@ -682,7 +682,7 @@
           <a:p>
             <a:fld id="{FD24D06E-A107-49F4-A213-45397444B7A2}" type="datetimeFigureOut">
               <a:rPr lang="es-ES" smtClean="0"/>
-              <a:t>25/09/2020</a:t>
+              <a:t>02/10/2020</a:t>
             </a:fld>
             <a:endParaRPr lang="es-ES"/>
           </a:p>
@@ -880,7 +880,7 @@
           <a:p>
             <a:fld id="{FD24D06E-A107-49F4-A213-45397444B7A2}" type="datetimeFigureOut">
               <a:rPr lang="es-ES" smtClean="0"/>
-              <a:t>25/09/2020</a:t>
+              <a:t>02/10/2020</a:t>
             </a:fld>
             <a:endParaRPr lang="es-ES"/>
           </a:p>
@@ -1155,7 +1155,7 @@
           <a:p>
             <a:fld id="{FD24D06E-A107-49F4-A213-45397444B7A2}" type="datetimeFigureOut">
               <a:rPr lang="es-ES" smtClean="0"/>
-              <a:t>25/09/2020</a:t>
+              <a:t>02/10/2020</a:t>
             </a:fld>
             <a:endParaRPr lang="es-ES"/>
           </a:p>
@@ -1420,7 +1420,7 @@
           <a:p>
             <a:fld id="{FD24D06E-A107-49F4-A213-45397444B7A2}" type="datetimeFigureOut">
               <a:rPr lang="es-ES" smtClean="0"/>
-              <a:t>25/09/2020</a:t>
+              <a:t>02/10/2020</a:t>
             </a:fld>
             <a:endParaRPr lang="es-ES"/>
           </a:p>
@@ -1832,7 +1832,7 @@
           <a:p>
             <a:fld id="{FD24D06E-A107-49F4-A213-45397444B7A2}" type="datetimeFigureOut">
               <a:rPr lang="es-ES" smtClean="0"/>
-              <a:t>25/09/2020</a:t>
+              <a:t>02/10/2020</a:t>
             </a:fld>
             <a:endParaRPr lang="es-ES"/>
           </a:p>
@@ -1973,7 +1973,7 @@
           <a:p>
             <a:fld id="{FD24D06E-A107-49F4-A213-45397444B7A2}" type="datetimeFigureOut">
               <a:rPr lang="es-ES" smtClean="0"/>
-              <a:t>25/09/2020</a:t>
+              <a:t>02/10/2020</a:t>
             </a:fld>
             <a:endParaRPr lang="es-ES"/>
           </a:p>
@@ -2086,7 +2086,7 @@
           <a:p>
             <a:fld id="{FD24D06E-A107-49F4-A213-45397444B7A2}" type="datetimeFigureOut">
               <a:rPr lang="es-ES" smtClean="0"/>
-              <a:t>25/09/2020</a:t>
+              <a:t>02/10/2020</a:t>
             </a:fld>
             <a:endParaRPr lang="es-ES"/>
           </a:p>
@@ -2397,7 +2397,7 @@
           <a:p>
             <a:fld id="{FD24D06E-A107-49F4-A213-45397444B7A2}" type="datetimeFigureOut">
               <a:rPr lang="es-ES" smtClean="0"/>
-              <a:t>25/09/2020</a:t>
+              <a:t>02/10/2020</a:t>
             </a:fld>
             <a:endParaRPr lang="es-ES"/>
           </a:p>
@@ -2685,7 +2685,7 @@
           <a:p>
             <a:fld id="{FD24D06E-A107-49F4-A213-45397444B7A2}" type="datetimeFigureOut">
               <a:rPr lang="es-ES" smtClean="0"/>
-              <a:t>25/09/2020</a:t>
+              <a:t>02/10/2020</a:t>
             </a:fld>
             <a:endParaRPr lang="es-ES"/>
           </a:p>
@@ -2926,7 +2926,7 @@
           <a:p>
             <a:fld id="{FD24D06E-A107-49F4-A213-45397444B7A2}" type="datetimeFigureOut">
               <a:rPr lang="es-ES" smtClean="0"/>
-              <a:t>25/09/2020</a:t>
+              <a:t>02/10/2020</a:t>
             </a:fld>
             <a:endParaRPr lang="es-ES"/>
           </a:p>
@@ -4805,7 +4805,23 @@
                   <a:srgbClr val="00FF00"/>
                 </a:highlight>
               </a:rPr>
-              <a:t>Teorema de Bayes (clases independientes)</a:t>
+              <a:t>Teorema de Bayes </a:t>
+            </a:r>
+            <a:r>
+              <a:rPr lang="es-ES" sz="2800">
+                <a:highlight>
+                  <a:srgbClr val="00FF00"/>
+                </a:highlight>
+              </a:rPr>
+              <a:t>(columnas x </a:t>
+            </a:r>
+            <a:r>
+              <a:rPr lang="es-ES" sz="2800" dirty="0">
+                <a:highlight>
+                  <a:srgbClr val="00FF00"/>
+                </a:highlight>
+              </a:rPr>
+              <a:t>independientes)</a:t>
             </a:r>
           </a:p>
           <a:p>
